--- a/Автотестирование.pptx
+++ b/Автотестирование.pptx
@@ -251,7 +251,7 @@
           <a:p>
             <a:fld id="{89140705-75DD-4D05-9219-CD738C849E39}" type="datetimeFigureOut">
               <a:rPr lang="ru-RU" smtClean="0"/>
-              <a:t>06.10.2022</a:t>
+              <a:t>10.10.2022</a:t>
             </a:fld>
             <a:endParaRPr lang="ru-RU"/>
           </a:p>
@@ -421,7 +421,7 @@
           <a:p>
             <a:fld id="{89140705-75DD-4D05-9219-CD738C849E39}" type="datetimeFigureOut">
               <a:rPr lang="ru-RU" smtClean="0"/>
-              <a:t>06.10.2022</a:t>
+              <a:t>10.10.2022</a:t>
             </a:fld>
             <a:endParaRPr lang="ru-RU"/>
           </a:p>
@@ -601,7 +601,7 @@
           <a:p>
             <a:fld id="{89140705-75DD-4D05-9219-CD738C849E39}" type="datetimeFigureOut">
               <a:rPr lang="ru-RU" smtClean="0"/>
-              <a:t>06.10.2022</a:t>
+              <a:t>10.10.2022</a:t>
             </a:fld>
             <a:endParaRPr lang="ru-RU"/>
           </a:p>
@@ -771,7 +771,7 @@
           <a:p>
             <a:fld id="{89140705-75DD-4D05-9219-CD738C849E39}" type="datetimeFigureOut">
               <a:rPr lang="ru-RU" smtClean="0"/>
-              <a:t>06.10.2022</a:t>
+              <a:t>10.10.2022</a:t>
             </a:fld>
             <a:endParaRPr lang="ru-RU"/>
           </a:p>
@@ -1017,7 +1017,7 @@
           <a:p>
             <a:fld id="{89140705-75DD-4D05-9219-CD738C849E39}" type="datetimeFigureOut">
               <a:rPr lang="ru-RU" smtClean="0"/>
-              <a:t>06.10.2022</a:t>
+              <a:t>10.10.2022</a:t>
             </a:fld>
             <a:endParaRPr lang="ru-RU"/>
           </a:p>
@@ -1249,7 +1249,7 @@
           <a:p>
             <a:fld id="{89140705-75DD-4D05-9219-CD738C849E39}" type="datetimeFigureOut">
               <a:rPr lang="ru-RU" smtClean="0"/>
-              <a:t>06.10.2022</a:t>
+              <a:t>10.10.2022</a:t>
             </a:fld>
             <a:endParaRPr lang="ru-RU"/>
           </a:p>
@@ -1616,7 +1616,7 @@
           <a:p>
             <a:fld id="{89140705-75DD-4D05-9219-CD738C849E39}" type="datetimeFigureOut">
               <a:rPr lang="ru-RU" smtClean="0"/>
-              <a:t>06.10.2022</a:t>
+              <a:t>10.10.2022</a:t>
             </a:fld>
             <a:endParaRPr lang="ru-RU"/>
           </a:p>
@@ -1734,7 +1734,7 @@
           <a:p>
             <a:fld id="{89140705-75DD-4D05-9219-CD738C849E39}" type="datetimeFigureOut">
               <a:rPr lang="ru-RU" smtClean="0"/>
-              <a:t>06.10.2022</a:t>
+              <a:t>10.10.2022</a:t>
             </a:fld>
             <a:endParaRPr lang="ru-RU"/>
           </a:p>
@@ -1829,7 +1829,7 @@
           <a:p>
             <a:fld id="{89140705-75DD-4D05-9219-CD738C849E39}" type="datetimeFigureOut">
               <a:rPr lang="ru-RU" smtClean="0"/>
-              <a:t>06.10.2022</a:t>
+              <a:t>10.10.2022</a:t>
             </a:fld>
             <a:endParaRPr lang="ru-RU"/>
           </a:p>
@@ -2106,7 +2106,7 @@
           <a:p>
             <a:fld id="{89140705-75DD-4D05-9219-CD738C849E39}" type="datetimeFigureOut">
               <a:rPr lang="ru-RU" smtClean="0"/>
-              <a:t>06.10.2022</a:t>
+              <a:t>10.10.2022</a:t>
             </a:fld>
             <a:endParaRPr lang="ru-RU"/>
           </a:p>
@@ -2359,7 +2359,7 @@
           <a:p>
             <a:fld id="{89140705-75DD-4D05-9219-CD738C849E39}" type="datetimeFigureOut">
               <a:rPr lang="ru-RU" smtClean="0"/>
-              <a:t>06.10.2022</a:t>
+              <a:t>10.10.2022</a:t>
             </a:fld>
             <a:endParaRPr lang="ru-RU"/>
           </a:p>
@@ -2572,7 +2572,7 @@
           <a:p>
             <a:fld id="{89140705-75DD-4D05-9219-CD738C849E39}" type="datetimeFigureOut">
               <a:rPr lang="ru-RU" smtClean="0"/>
-              <a:t>06.10.2022</a:t>
+              <a:t>10.10.2022</a:t>
             </a:fld>
             <a:endParaRPr lang="ru-RU"/>
           </a:p>
@@ -3026,11 +3026,7 @@
           <a:p>
             <a:r>
               <a:rPr lang="ru-RU" sz="3200" dirty="0" smtClean="0"/>
-              <a:t>Стажировка </a:t>
-            </a:r>
-            <a:r>
-              <a:rPr lang="ru-RU" sz="3200" dirty="0" smtClean="0"/>
-              <a:t>202</a:t>
+              <a:t>Стажировка 202</a:t>
             </a:r>
             <a:r>
               <a:rPr lang="en-US" sz="3200" dirty="0" smtClean="0"/>
@@ -3131,7 +3127,6 @@
               <a:rPr lang="ru-RU" dirty="0"/>
               <a:t>Какие темы будут изучены?</a:t>
             </a:r>
-            <a:endParaRPr lang="ru-RU" dirty="0"/>
           </a:p>
         </p:txBody>
       </p:sp>
@@ -3152,11 +3147,7 @@
           <a:p>
             <a:r>
               <a:rPr lang="ru-RU" dirty="0" smtClean="0"/>
-              <a:t>1</a:t>
-            </a:r>
-            <a:r>
-              <a:rPr lang="ru-RU" dirty="0" smtClean="0"/>
-              <a:t>. </a:t>
+              <a:t>1. </a:t>
             </a:r>
             <a:r>
               <a:rPr lang="en-US" dirty="0" smtClean="0"/>
@@ -3183,15 +3174,7 @@
           <a:p>
             <a:r>
               <a:rPr lang="ru-RU" dirty="0" smtClean="0"/>
-              <a:t>2</a:t>
-            </a:r>
-            <a:r>
-              <a:rPr lang="ru-RU" dirty="0" smtClean="0"/>
-              <a:t>. </a:t>
-            </a:r>
-            <a:r>
-              <a:rPr lang="ru-RU" dirty="0" smtClean="0"/>
-              <a:t>Паттерны </a:t>
+              <a:t>2. Паттерны </a:t>
             </a:r>
             <a:endParaRPr lang="en-US" dirty="0" smtClean="0"/>
           </a:p>
@@ -3233,11 +3216,7 @@
             </a:r>
             <a:r>
               <a:rPr lang="en-US" dirty="0" smtClean="0"/>
-              <a:t>(</a:t>
-            </a:r>
-            <a:r>
-              <a:rPr lang="en-US" dirty="0" smtClean="0"/>
-              <a:t>REST Assured, Karate)</a:t>
+              <a:t>(REST Assured, Karate)</a:t>
             </a:r>
             <a:endParaRPr lang="ru-RU" dirty="0" smtClean="0"/>
           </a:p>
@@ -3260,15 +3239,7 @@
             </a:r>
             <a:r>
               <a:rPr lang="ru-RU" dirty="0" smtClean="0"/>
-              <a:t>апуск</a:t>
-            </a:r>
-            <a:r>
-              <a:rPr lang="ru-RU" dirty="0" smtClean="0"/>
-              <a:t>, отчеты, </a:t>
-            </a:r>
-            <a:r>
-              <a:rPr lang="ru-RU" dirty="0" smtClean="0"/>
-              <a:t>заглушки </a:t>
+              <a:t>апуск, отчеты, заглушки </a:t>
             </a:r>
             <a:endParaRPr lang="ru-RU" dirty="0"/>
           </a:p>
@@ -3330,7 +3301,6 @@
               <a:rPr lang="ru-RU" dirty="0"/>
               <a:t>Как будет проходить процесс обучения?</a:t>
             </a:r>
-            <a:endParaRPr lang="ru-RU" dirty="0"/>
           </a:p>
         </p:txBody>
       </p:sp>
@@ -3411,7 +3381,7 @@
               <a:t>обсуждение вопросов по </a:t>
             </a:r>
             <a:r>
-              <a:rPr lang="ru-RU" smtClean="0"/>
+              <a:rPr lang="ru-RU" dirty="0" smtClean="0"/>
               <a:t>теме </a:t>
             </a:r>
           </a:p>
@@ -3598,7 +3568,6 @@
               <a:rPr lang="ru-RU" dirty="0"/>
               <a:t> в любое время?</a:t>
             </a:r>
-            <a:endParaRPr lang="ru-RU" dirty="0"/>
           </a:p>
         </p:txBody>
       </p:sp>
@@ -3689,7 +3658,6 @@
               <a:rPr lang="ru-RU" dirty="0"/>
               <a:t>Что входит в материалы к занятию?</a:t>
             </a:r>
-            <a:endParaRPr lang="ru-RU" dirty="0"/>
           </a:p>
         </p:txBody>
       </p:sp>
@@ -3726,11 +3694,7 @@
             </a:r>
             <a:r>
               <a:rPr lang="en-US" dirty="0" smtClean="0"/>
-              <a:t> </a:t>
-            </a:r>
-            <a:r>
-              <a:rPr lang="en-US" dirty="0" smtClean="0"/>
-              <a:t>к</a:t>
+              <a:t> к</a:t>
             </a:r>
             <a:r>
               <a:rPr lang="ru-RU" dirty="0" smtClean="0"/>
@@ -3773,7 +3737,6 @@
               <a:rPr lang="ru-RU" dirty="0" smtClean="0"/>
               <a:t>Ссылки</a:t>
             </a:r>
-            <a:endParaRPr lang="ru-RU" dirty="0" smtClean="0"/>
           </a:p>
         </p:txBody>
       </p:sp>
@@ -3833,7 +3796,6 @@
               <a:rPr lang="ru-RU" dirty="0"/>
               <a:t>Что из себя представляют ДЗ?</a:t>
             </a:r>
-            <a:endParaRPr lang="ru-RU" dirty="0"/>
           </a:p>
         </p:txBody>
       </p:sp>
@@ -3952,7 +3914,6 @@
               <a:rPr lang="ru-RU" dirty="0"/>
               <a:t> </a:t>
             </a:r>
-            <a:endParaRPr lang="ru-RU" dirty="0"/>
           </a:p>
           <a:p>
             <a:pPr lvl="1"/>
@@ -3976,7 +3937,6 @@
               <a:rPr lang="ru-RU" dirty="0"/>
               <a:t>ошибок </a:t>
             </a:r>
-            <a:endParaRPr lang="ru-RU" dirty="0"/>
           </a:p>
           <a:p>
             <a:pPr lvl="1"/>
@@ -4045,14 +4005,13 @@
               <a:t>Будут ли </a:t>
             </a:r>
             <a:r>
-              <a:rPr lang="ru-RU" dirty="0" err="1"/>
-              <a:t>разибраться</a:t>
+              <a:rPr lang="ru-RU" dirty="0" smtClean="0"/>
+              <a:t>разбираться </a:t>
             </a:r>
             <a:r>
               <a:rPr lang="ru-RU" dirty="0"/>
-              <a:t> типичные ошибки по ДЗ?</a:t>
-            </a:r>
-            <a:endParaRPr lang="ru-RU" dirty="0"/>
+              <a:t>типичные ошибки по ДЗ?</a:t>
+            </a:r>
           </a:p>
         </p:txBody>
       </p:sp>
